--- a/homework/HW-2-杨明欣.pptx
+++ b/homework/HW-2-杨明欣.pptx
@@ -272,7 +272,7 @@
               <a:pPr>
                 <a:defRPr/>
               </a:pPr>
-              <a:t>10/10/2023</a:t>
+              <a:t>10/13/2023</a:t>
             </a:fld>
             <a:endParaRPr lang="en-US"/>
           </a:p>
@@ -991,7 +991,7 @@
               <a:pPr>
                 <a:defRPr/>
               </a:pPr>
-              <a:t>10/10/2023</a:t>
+              <a:t>10/13/2023</a:t>
             </a:fld>
             <a:endParaRPr lang="en-US"/>
           </a:p>
@@ -1188,7 +1188,7 @@
               <a:pPr>
                 <a:defRPr/>
               </a:pPr>
-              <a:t>10/10/2023</a:t>
+              <a:t>10/13/2023</a:t>
             </a:fld>
             <a:endParaRPr lang="en-US"/>
           </a:p>
@@ -1395,7 +1395,7 @@
               <a:pPr>
                 <a:defRPr/>
               </a:pPr>
-              <a:t>10/10/2023</a:t>
+              <a:t>10/13/2023</a:t>
             </a:fld>
             <a:endParaRPr lang="en-US"/>
           </a:p>
@@ -1592,7 +1592,7 @@
               <a:pPr>
                 <a:defRPr/>
               </a:pPr>
-              <a:t>10/10/2023</a:t>
+              <a:t>10/13/2023</a:t>
             </a:fld>
             <a:endParaRPr lang="en-US"/>
           </a:p>
@@ -1865,7 +1865,7 @@
               <a:pPr>
                 <a:defRPr/>
               </a:pPr>
-              <a:t>10/10/2023</a:t>
+              <a:t>10/13/2023</a:t>
             </a:fld>
             <a:endParaRPr lang="en-US"/>
           </a:p>
@@ -2124,7 +2124,7 @@
               <a:pPr>
                 <a:defRPr/>
               </a:pPr>
-              <a:t>10/10/2023</a:t>
+              <a:t>10/13/2023</a:t>
             </a:fld>
             <a:endParaRPr lang="en-US"/>
           </a:p>
@@ -2518,7 +2518,7 @@
               <a:pPr>
                 <a:defRPr/>
               </a:pPr>
-              <a:t>10/10/2023</a:t>
+              <a:t>10/13/2023</a:t>
             </a:fld>
             <a:endParaRPr lang="en-US"/>
           </a:p>
@@ -2663,7 +2663,7 @@
               <a:pPr>
                 <a:defRPr/>
               </a:pPr>
-              <a:t>10/10/2023</a:t>
+              <a:t>10/13/2023</a:t>
             </a:fld>
             <a:endParaRPr lang="en-US"/>
           </a:p>
@@ -2785,7 +2785,7 @@
               <a:pPr>
                 <a:defRPr/>
               </a:pPr>
-              <a:t>10/10/2023</a:t>
+              <a:t>10/13/2023</a:t>
             </a:fld>
             <a:endParaRPr lang="en-US"/>
           </a:p>
@@ -3089,7 +3089,7 @@
               <a:pPr>
                 <a:defRPr/>
               </a:pPr>
-              <a:t>10/10/2023</a:t>
+              <a:t>10/13/2023</a:t>
             </a:fld>
             <a:endParaRPr lang="en-US"/>
           </a:p>
@@ -3372,7 +3372,7 @@
               <a:pPr>
                 <a:defRPr/>
               </a:pPr>
-              <a:t>10/10/2023</a:t>
+              <a:t>10/13/2023</a:t>
             </a:fld>
             <a:endParaRPr lang="en-US"/>
           </a:p>
@@ -3668,7 +3668,7 @@
               <a:pPr>
                 <a:defRPr/>
               </a:pPr>
-              <a:t>10/10/2023</a:t>
+              <a:t>10/13/2023</a:t>
             </a:fld>
             <a:endParaRPr lang="en-US"/>
           </a:p>
@@ -8121,7 +8121,7 @@
                   <a:srgbClr val="FF0000"/>
                 </a:solidFill>
               </a:rPr>
-              <a:t>借助斐波那契数列的性质，执行需要时间指数级下降，基本可以在常数时间内计算出斐波那契数</a:t>
+              <a:t>借助斐波那契数列的性质，执行需要时间指数级下降，计算出斐波那契数时间复杂度为</a:t>
             </a:r>
             <a:r>
               <a:rPr lang="en-US" altLang="zh-CN" dirty="0">
@@ -8129,7 +8129,23 @@
                   <a:srgbClr val="FF0000"/>
                 </a:solidFill>
               </a:rPr>
-              <a:t>O(1)</a:t>
+              <a:t>O(</a:t>
+            </a:r>
+            <a:r>
+              <a:rPr lang="en-US" altLang="zh-CN" dirty="0" err="1">
+                <a:solidFill>
+                  <a:srgbClr val="FF0000"/>
+                </a:solidFill>
+              </a:rPr>
+              <a:t>logn</a:t>
+            </a:r>
+            <a:r>
+              <a:rPr lang="en-US" altLang="zh-CN" dirty="0">
+                <a:solidFill>
+                  <a:srgbClr val="FF0000"/>
+                </a:solidFill>
+              </a:rPr>
+              <a:t>)</a:t>
             </a:r>
             <a:endParaRPr lang="zh-CN" altLang="en-US" dirty="0">
               <a:solidFill>
